--- a/presentation/bit.Composer.pptx
+++ b/presentation/bit.Composer.pptx
@@ -271,7 +271,7 @@
           <a:p>
             <a:fld id="{4A6B28F3-BB62-4EA0-99DF-EF5932BC4FCF}" type="datetimeFigureOut">
               <a:rPr kumimoji="1" lang="ja-JP" altLang="en-US" smtClean="0"/>
-              <a:t>2021/9/29</a:t>
+              <a:t>2021/10/1</a:t>
             </a:fld>
             <a:endParaRPr kumimoji="1" lang="ja-JP" altLang="en-US"/>
           </a:p>
@@ -501,7 +501,7 @@
           <a:p>
             <a:fld id="{4A6B28F3-BB62-4EA0-99DF-EF5932BC4FCF}" type="datetimeFigureOut">
               <a:rPr kumimoji="1" lang="ja-JP" altLang="en-US" smtClean="0"/>
-              <a:t>2021/9/29</a:t>
+              <a:t>2021/10/1</a:t>
             </a:fld>
             <a:endParaRPr kumimoji="1" lang="ja-JP" altLang="en-US"/>
           </a:p>
@@ -741,7 +741,7 @@
           <a:p>
             <a:fld id="{4A6B28F3-BB62-4EA0-99DF-EF5932BC4FCF}" type="datetimeFigureOut">
               <a:rPr kumimoji="1" lang="ja-JP" altLang="en-US" smtClean="0"/>
-              <a:t>2021/9/29</a:t>
+              <a:t>2021/10/1</a:t>
             </a:fld>
             <a:endParaRPr kumimoji="1" lang="ja-JP" altLang="en-US"/>
           </a:p>
@@ -971,7 +971,7 @@
           <a:p>
             <a:fld id="{4A6B28F3-BB62-4EA0-99DF-EF5932BC4FCF}" type="datetimeFigureOut">
               <a:rPr kumimoji="1" lang="ja-JP" altLang="en-US" smtClean="0"/>
-              <a:t>2021/9/29</a:t>
+              <a:t>2021/10/1</a:t>
             </a:fld>
             <a:endParaRPr kumimoji="1" lang="ja-JP" altLang="en-US"/>
           </a:p>
@@ -1246,7 +1246,7 @@
           <a:p>
             <a:fld id="{4A6B28F3-BB62-4EA0-99DF-EF5932BC4FCF}" type="datetimeFigureOut">
               <a:rPr kumimoji="1" lang="ja-JP" altLang="en-US" smtClean="0"/>
-              <a:t>2021/9/29</a:t>
+              <a:t>2021/10/1</a:t>
             </a:fld>
             <a:endParaRPr kumimoji="1" lang="ja-JP" altLang="en-US"/>
           </a:p>
@@ -1575,7 +1575,7 @@
           <a:p>
             <a:fld id="{4A6B28F3-BB62-4EA0-99DF-EF5932BC4FCF}" type="datetimeFigureOut">
               <a:rPr kumimoji="1" lang="ja-JP" altLang="en-US" smtClean="0"/>
-              <a:t>2021/9/29</a:t>
+              <a:t>2021/10/1</a:t>
             </a:fld>
             <a:endParaRPr kumimoji="1" lang="ja-JP" altLang="en-US"/>
           </a:p>
@@ -2051,7 +2051,7 @@
           <a:p>
             <a:fld id="{4A6B28F3-BB62-4EA0-99DF-EF5932BC4FCF}" type="datetimeFigureOut">
               <a:rPr kumimoji="1" lang="ja-JP" altLang="en-US" smtClean="0"/>
-              <a:t>2021/9/29</a:t>
+              <a:t>2021/10/1</a:t>
             </a:fld>
             <a:endParaRPr kumimoji="1" lang="ja-JP" altLang="en-US"/>
           </a:p>
@@ -2192,7 +2192,7 @@
           <a:p>
             <a:fld id="{4A6B28F3-BB62-4EA0-99DF-EF5932BC4FCF}" type="datetimeFigureOut">
               <a:rPr kumimoji="1" lang="ja-JP" altLang="en-US" smtClean="0"/>
-              <a:t>2021/9/29</a:t>
+              <a:t>2021/10/1</a:t>
             </a:fld>
             <a:endParaRPr kumimoji="1" lang="ja-JP" altLang="en-US"/>
           </a:p>
@@ -2305,7 +2305,7 @@
           <a:p>
             <a:fld id="{4A6B28F3-BB62-4EA0-99DF-EF5932BC4FCF}" type="datetimeFigureOut">
               <a:rPr kumimoji="1" lang="ja-JP" altLang="en-US" smtClean="0"/>
-              <a:t>2021/9/29</a:t>
+              <a:t>2021/10/1</a:t>
             </a:fld>
             <a:endParaRPr kumimoji="1" lang="ja-JP" altLang="en-US"/>
           </a:p>
@@ -2648,7 +2648,7 @@
           <a:p>
             <a:fld id="{4A6B28F3-BB62-4EA0-99DF-EF5932BC4FCF}" type="datetimeFigureOut">
               <a:rPr kumimoji="1" lang="ja-JP" altLang="en-US" smtClean="0"/>
-              <a:t>2021/9/29</a:t>
+              <a:t>2021/10/1</a:t>
             </a:fld>
             <a:endParaRPr kumimoji="1" lang="ja-JP" altLang="en-US"/>
           </a:p>
@@ -2936,7 +2936,7 @@
           <a:p>
             <a:fld id="{4A6B28F3-BB62-4EA0-99DF-EF5932BC4FCF}" type="datetimeFigureOut">
               <a:rPr kumimoji="1" lang="ja-JP" altLang="en-US" smtClean="0"/>
-              <a:t>2021/9/29</a:t>
+              <a:t>2021/10/1</a:t>
             </a:fld>
             <a:endParaRPr kumimoji="1" lang="ja-JP" altLang="en-US"/>
           </a:p>
@@ -3209,7 +3209,7 @@
           <a:p>
             <a:fld id="{4A6B28F3-BB62-4EA0-99DF-EF5932BC4FCF}" type="datetimeFigureOut">
               <a:rPr kumimoji="1" lang="ja-JP" altLang="en-US" smtClean="0"/>
-              <a:t>2021/9/29</a:t>
+              <a:t>2021/10/1</a:t>
             </a:fld>
             <a:endParaRPr kumimoji="1" lang="ja-JP" altLang="en-US"/>
           </a:p>
@@ -4006,8 +4006,8 @@
         </p:nvSpPr>
         <p:spPr>
           <a:xfrm>
-            <a:off x="737937" y="1773238"/>
-            <a:ext cx="9144000" cy="1655762"/>
+            <a:off x="737936" y="1773238"/>
+            <a:ext cx="10857163" cy="4627562"/>
           </a:xfrm>
         </p:spPr>
         <p:txBody>
@@ -4043,6 +4043,32 @@
               <a:rPr lang="ja-JP" altLang="en-US" sz="2800" dirty="0"/>
               <a:t>サイトは仮ですが動かせるようになっています。</a:t>
             </a:r>
+            <a:endParaRPr lang="en-US" altLang="ja-JP" sz="2800" dirty="0"/>
+          </a:p>
+          <a:p>
+            <a:pPr marL="342900" indent="-342900" algn="l">
+              <a:buFont typeface="Arial" panose="020B0604020202020204" pitchFamily="34" charset="0"/>
+              <a:buChar char="•"/>
+            </a:pPr>
+            <a:r>
+              <a:rPr kumimoji="1" lang="ja-JP" altLang="en-US" sz="2800" dirty="0"/>
+              <a:t>ファイルのやり取りや学習モデルがまだ未完成です。</a:t>
+            </a:r>
+            <a:endParaRPr kumimoji="1" lang="en-US" altLang="ja-JP" sz="2800" dirty="0"/>
+          </a:p>
+          <a:p>
+            <a:pPr marL="342900" indent="-342900" algn="l">
+              <a:buFont typeface="Arial" panose="020B0604020202020204" pitchFamily="34" charset="0"/>
+              <a:buChar char="•"/>
+            </a:pPr>
+            <a:r>
+              <a:rPr kumimoji="1" lang="ja-JP" altLang="en-US" sz="2800" dirty="0"/>
+              <a:t>入力されたデータの送信方法についても考えています</a:t>
+            </a:r>
+            <a:endParaRPr kumimoji="1" lang="en-US" altLang="ja-JP" sz="2800" dirty="0"/>
+          </a:p>
+          <a:p>
+            <a:pPr algn="l"/>
             <a:endParaRPr kumimoji="1" lang="ja-JP" altLang="en-US" sz="2800" dirty="0"/>
           </a:p>
         </p:txBody>
@@ -4341,8 +4367,16 @@
           <a:lstStyle/>
           <a:p>
             <a:r>
+              <a:rPr kumimoji="1" lang="en-US" altLang="ja-JP" dirty="0" err="1"/>
+              <a:t>BackGround</a:t>
+            </a:r>
+            <a:r>
+              <a:rPr kumimoji="1" lang="en-US" altLang="ja-JP" dirty="0"/>
+              <a:t> Music</a:t>
+            </a:r>
+            <a:r>
               <a:rPr kumimoji="1" lang="ja-JP" altLang="en-US" dirty="0"/>
-              <a:t>ゲームに使われている音楽です</a:t>
+              <a:t>の略で、雰囲気を作るための背景となる音楽です</a:t>
             </a:r>
             <a:endParaRPr lang="en-US" altLang="ja-JP" dirty="0"/>
           </a:p>
@@ -4480,291 +4514,6 @@
               <a:t>システム構成図</a:t>
             </a:r>
             <a:endParaRPr kumimoji="1" lang="ja-JP" altLang="en-US" sz="2800" dirty="0"/>
-          </a:p>
-        </p:txBody>
-      </p:sp>
-      <p:sp>
-        <p:nvSpPr>
-          <p:cNvPr id="9" name="楕円 8">
-            <a:extLst>
-              <a:ext uri="{FF2B5EF4-FFF2-40B4-BE49-F238E27FC236}">
-                <a16:creationId xmlns:a16="http://schemas.microsoft.com/office/drawing/2014/main" id="{85E0B138-FF08-43E0-847D-3C40B78C2BFC}"/>
-              </a:ext>
-            </a:extLst>
-          </p:cNvPr>
-          <p:cNvSpPr/>
-          <p:nvPr/>
-        </p:nvSpPr>
-        <p:spPr>
-          <a:xfrm>
-            <a:off x="800100" y="751820"/>
-            <a:ext cx="2612571" cy="2432957"/>
-          </a:xfrm>
-          <a:prstGeom prst="ellipse">
-            <a:avLst/>
-          </a:prstGeom>
-        </p:spPr>
-        <p:style>
-          <a:lnRef idx="2">
-            <a:schemeClr val="accent1">
-              <a:shade val="50000"/>
-            </a:schemeClr>
-          </a:lnRef>
-          <a:fillRef idx="1">
-            <a:schemeClr val="accent1"/>
-          </a:fillRef>
-          <a:effectRef idx="0">
-            <a:schemeClr val="accent1"/>
-          </a:effectRef>
-          <a:fontRef idx="minor">
-            <a:schemeClr val="lt1"/>
-          </a:fontRef>
-        </p:style>
-        <p:txBody>
-          <a:bodyPr rtlCol="0" anchor="ctr"/>
-          <a:lstStyle/>
-          <a:p>
-            <a:pPr algn="ctr"/>
-            <a:r>
-              <a:rPr kumimoji="1" lang="en-US" altLang="ja-JP" dirty="0"/>
-              <a:t>WEB</a:t>
-            </a:r>
-            <a:r>
-              <a:rPr kumimoji="1" lang="ja-JP" altLang="en-US" dirty="0"/>
-              <a:t>システム</a:t>
-            </a:r>
-            <a:endParaRPr kumimoji="1" lang="en-US" altLang="ja-JP" dirty="0"/>
-          </a:p>
-          <a:p>
-            <a:pPr algn="ctr"/>
-            <a:endParaRPr kumimoji="1" lang="en-US" altLang="ja-JP" dirty="0"/>
-          </a:p>
-          <a:p>
-            <a:pPr marL="285750" indent="-285750">
-              <a:buFont typeface="Arial" panose="020B0604020202020204" pitchFamily="34" charset="0"/>
-              <a:buChar char="•"/>
-            </a:pPr>
-            <a:r>
-              <a:rPr kumimoji="1" lang="en-US" altLang="ja-JP" dirty="0"/>
-              <a:t>Flask</a:t>
-            </a:r>
-          </a:p>
-          <a:p>
-            <a:endParaRPr kumimoji="1" lang="ja-JP" altLang="en-US" dirty="0"/>
-          </a:p>
-        </p:txBody>
-      </p:sp>
-      <p:cxnSp>
-        <p:nvCxnSpPr>
-          <p:cNvPr id="12" name="直線コネクタ 11">
-            <a:extLst>
-              <a:ext uri="{FF2B5EF4-FFF2-40B4-BE49-F238E27FC236}">
-                <a16:creationId xmlns:a16="http://schemas.microsoft.com/office/drawing/2014/main" id="{FC156686-FE39-41AA-B19B-4BD11DF1D982}"/>
-              </a:ext>
-            </a:extLst>
-          </p:cNvPr>
-          <p:cNvCxnSpPr>
-            <a:cxnSpLocks/>
-          </p:cNvCxnSpPr>
-          <p:nvPr/>
-        </p:nvCxnSpPr>
-        <p:spPr>
-          <a:xfrm>
-            <a:off x="2565505" y="2714178"/>
-            <a:ext cx="1884831" cy="714821"/>
-          </a:xfrm>
-          <a:prstGeom prst="line">
-            <a:avLst/>
-          </a:prstGeom>
-        </p:spPr>
-        <p:style>
-          <a:lnRef idx="1">
-            <a:schemeClr val="accent1"/>
-          </a:lnRef>
-          <a:fillRef idx="0">
-            <a:schemeClr val="accent1"/>
-          </a:fillRef>
-          <a:effectRef idx="0">
-            <a:schemeClr val="accent1"/>
-          </a:effectRef>
-          <a:fontRef idx="minor">
-            <a:schemeClr val="tx1"/>
-          </a:fontRef>
-        </p:style>
-      </p:cxnSp>
-      <p:sp>
-        <p:nvSpPr>
-          <p:cNvPr id="15" name="楕円 14">
-            <a:extLst>
-              <a:ext uri="{FF2B5EF4-FFF2-40B4-BE49-F238E27FC236}">
-                <a16:creationId xmlns:a16="http://schemas.microsoft.com/office/drawing/2014/main" id="{AA8413E1-F4D7-4813-8133-180AF44E51C3}"/>
-              </a:ext>
-            </a:extLst>
-          </p:cNvPr>
-          <p:cNvSpPr/>
-          <p:nvPr/>
-        </p:nvSpPr>
-        <p:spPr>
-          <a:xfrm>
-            <a:off x="8164286" y="490210"/>
-            <a:ext cx="3291327" cy="2853974"/>
-          </a:xfrm>
-          <a:prstGeom prst="ellipse">
-            <a:avLst/>
-          </a:prstGeom>
-        </p:spPr>
-        <p:style>
-          <a:lnRef idx="2">
-            <a:schemeClr val="accent1">
-              <a:shade val="50000"/>
-            </a:schemeClr>
-          </a:lnRef>
-          <a:fillRef idx="1">
-            <a:schemeClr val="accent1"/>
-          </a:fillRef>
-          <a:effectRef idx="0">
-            <a:schemeClr val="accent1"/>
-          </a:effectRef>
-          <a:fontRef idx="minor">
-            <a:schemeClr val="lt1"/>
-          </a:fontRef>
-        </p:style>
-        <p:txBody>
-          <a:bodyPr rtlCol="0" anchor="ctr"/>
-          <a:lstStyle/>
-          <a:p>
-            <a:pPr algn="ctr"/>
-            <a:r>
-              <a:rPr kumimoji="1" lang="ja-JP" altLang="en-US" dirty="0"/>
-              <a:t>自動作曲システム</a:t>
-            </a:r>
-            <a:endParaRPr kumimoji="1" lang="en-US" altLang="ja-JP" dirty="0"/>
-          </a:p>
-          <a:p>
-            <a:pPr marL="285750" indent="-285750">
-              <a:buFont typeface="Arial" panose="020B0604020202020204" pitchFamily="34" charset="0"/>
-              <a:buChar char="•"/>
-            </a:pPr>
-            <a:endParaRPr lang="en-US" altLang="ja-JP" dirty="0"/>
-          </a:p>
-          <a:p>
-            <a:pPr marL="285750" indent="-285750">
-              <a:buFont typeface="Arial" panose="020B0604020202020204" pitchFamily="34" charset="0"/>
-              <a:buChar char="•"/>
-            </a:pPr>
-            <a:r>
-              <a:rPr lang="en-US" altLang="ja-JP" dirty="0"/>
-              <a:t>Python</a:t>
-            </a:r>
-          </a:p>
-          <a:p>
-            <a:pPr marL="742950" lvl="1" indent="-285750">
-              <a:buFont typeface="Arial" panose="020B0604020202020204" pitchFamily="34" charset="0"/>
-              <a:buChar char="•"/>
-            </a:pPr>
-            <a:r>
-              <a:rPr kumimoji="1" lang="en-US" altLang="ja-JP" dirty="0"/>
-              <a:t>TensorFlow</a:t>
-            </a:r>
-          </a:p>
-          <a:p>
-            <a:endParaRPr kumimoji="1" lang="en-US" altLang="ja-JP" dirty="0"/>
-          </a:p>
-          <a:p>
-            <a:pPr marL="285750" indent="-285750">
-              <a:buFont typeface="Arial" panose="020B0604020202020204" pitchFamily="34" charset="0"/>
-              <a:buChar char="•"/>
-            </a:pPr>
-            <a:endParaRPr kumimoji="1" lang="ja-JP" altLang="en-US" dirty="0"/>
-          </a:p>
-        </p:txBody>
-      </p:sp>
-      <p:cxnSp>
-        <p:nvCxnSpPr>
-          <p:cNvPr id="17" name="直線コネクタ 16">
-            <a:extLst>
-              <a:ext uri="{FF2B5EF4-FFF2-40B4-BE49-F238E27FC236}">
-                <a16:creationId xmlns:a16="http://schemas.microsoft.com/office/drawing/2014/main" id="{6116A703-58E1-45B8-8E16-BD78853F1821}"/>
-              </a:ext>
-            </a:extLst>
-          </p:cNvPr>
-          <p:cNvCxnSpPr>
-            <a:cxnSpLocks/>
-            <a:stCxn id="15" idx="3"/>
-          </p:cNvCxnSpPr>
-          <p:nvPr/>
-        </p:nvCxnSpPr>
-        <p:spPr>
-          <a:xfrm flipH="1">
-            <a:off x="7741663" y="2926229"/>
-            <a:ext cx="904627" cy="648020"/>
-          </a:xfrm>
-          <a:prstGeom prst="line">
-            <a:avLst/>
-          </a:prstGeom>
-        </p:spPr>
-        <p:style>
-          <a:lnRef idx="1">
-            <a:schemeClr val="accent1"/>
-          </a:lnRef>
-          <a:fillRef idx="0">
-            <a:schemeClr val="accent1"/>
-          </a:fillRef>
-          <a:effectRef idx="0">
-            <a:schemeClr val="accent1"/>
-          </a:effectRef>
-          <a:fontRef idx="minor">
-            <a:schemeClr val="tx1"/>
-          </a:fontRef>
-        </p:style>
-      </p:cxnSp>
-      <p:sp>
-        <p:nvSpPr>
-          <p:cNvPr id="18" name="楕円 17">
-            <a:extLst>
-              <a:ext uri="{FF2B5EF4-FFF2-40B4-BE49-F238E27FC236}">
-                <a16:creationId xmlns:a16="http://schemas.microsoft.com/office/drawing/2014/main" id="{6CD149EA-7CF2-46A9-A9F1-5908C55296A7}"/>
-              </a:ext>
-            </a:extLst>
-          </p:cNvPr>
-          <p:cNvSpPr/>
-          <p:nvPr/>
-        </p:nvSpPr>
-        <p:spPr>
-          <a:xfrm>
-            <a:off x="4239025" y="2909195"/>
-            <a:ext cx="3713950" cy="1893409"/>
-          </a:xfrm>
-          <a:prstGeom prst="ellipse">
-            <a:avLst/>
-          </a:prstGeom>
-        </p:spPr>
-        <p:style>
-          <a:lnRef idx="2">
-            <a:schemeClr val="accent1">
-              <a:shade val="50000"/>
-            </a:schemeClr>
-          </a:lnRef>
-          <a:fillRef idx="1">
-            <a:schemeClr val="accent1"/>
-          </a:fillRef>
-          <a:effectRef idx="0">
-            <a:schemeClr val="accent1"/>
-          </a:effectRef>
-          <a:fontRef idx="minor">
-            <a:schemeClr val="lt1"/>
-          </a:fontRef>
-        </p:style>
-        <p:txBody>
-          <a:bodyPr rtlCol="0" anchor="ctr"/>
-          <a:lstStyle/>
-          <a:p>
-            <a:pPr algn="ctr"/>
-            <a:r>
-              <a:rPr lang="en-US" altLang="ja-JP" dirty="0"/>
-              <a:t>bit composer</a:t>
-            </a:r>
-            <a:endParaRPr kumimoji="1" lang="ja-JP" altLang="en-US" dirty="0"/>
           </a:p>
         </p:txBody>
       </p:sp>
